--- a/src/HBB-Indy-Sovrin-Internet Naming Continuum v0.2.pptx
+++ b/src/HBB-Indy-Sovrin-Internet Naming Continuum v0.2.pptx
@@ -2,12 +2,12 @@
 <file path=ppt/presentation.xml><?xml version="1.0" encoding="utf-8"?>
 <p:presentation xmlns:a="http://schemas.openxmlformats.org/drawingml/2006/main" xmlns:r="http://schemas.openxmlformats.org/officeDocument/2006/relationships" xmlns:p="http://schemas.openxmlformats.org/presentationml/2006/main" saveSubsetFonts="1">
   <p:sldMasterIdLst>
-    <p:sldMasterId id="2147483672" r:id="rId1"/>
+    <p:sldMasterId id="2147483696" r:id="rId1"/>
   </p:sldMasterIdLst>
   <p:sldIdLst>
     <p:sldId id="256" r:id="rId2"/>
   </p:sldIdLst>
-  <p:sldSz cx="7559675" cy="6119813"/>
+  <p:sldSz cx="7559675" cy="8640763"/>
   <p:notesSz cx="6858000" cy="9144000"/>
   <p:defaultTextStyle>
     <a:defPPr>
@@ -218,8 +218,8 @@
         </p:nvSpPr>
         <p:spPr>
           <a:xfrm>
-            <a:off x="566976" y="1001553"/>
-            <a:ext cx="6425724" cy="2130602"/>
+            <a:off x="566976" y="1414125"/>
+            <a:ext cx="6425724" cy="3008266"/>
           </a:xfrm>
         </p:spPr>
         <p:txBody>
@@ -250,8 +250,8 @@
         </p:nvSpPr>
         <p:spPr>
           <a:xfrm>
-            <a:off x="944960" y="3214319"/>
-            <a:ext cx="5669756" cy="1477538"/>
+            <a:off x="944960" y="4538401"/>
+            <a:ext cx="5669756" cy="2086184"/>
           </a:xfrm>
         </p:spPr>
         <p:txBody>
@@ -371,7 +371,7 @@
     </p:spTree>
     <p:extLst>
       <p:ext uri="{BB962C8B-B14F-4D97-AF65-F5344CB8AC3E}">
-        <p14:creationId xmlns:p14="http://schemas.microsoft.com/office/powerpoint/2010/main" val="1671428437"/>
+        <p14:creationId xmlns:p14="http://schemas.microsoft.com/office/powerpoint/2010/main" val="1655187658"/>
       </p:ext>
     </p:extLst>
   </p:cSld>
@@ -541,7 +541,7 @@
     </p:spTree>
     <p:extLst>
       <p:ext uri="{BB962C8B-B14F-4D97-AF65-F5344CB8AC3E}">
-        <p14:creationId xmlns:p14="http://schemas.microsoft.com/office/powerpoint/2010/main" val="525975046"/>
+        <p14:creationId xmlns:p14="http://schemas.microsoft.com/office/powerpoint/2010/main" val="1344338399"/>
       </p:ext>
     </p:extLst>
   </p:cSld>
@@ -580,8 +580,8 @@
         </p:nvSpPr>
         <p:spPr>
           <a:xfrm>
-            <a:off x="5409893" y="325823"/>
-            <a:ext cx="1630055" cy="5186259"/>
+            <a:off x="5409893" y="460041"/>
+            <a:ext cx="1630055" cy="7322647"/>
           </a:xfrm>
         </p:spPr>
         <p:txBody>
@@ -608,8 +608,8 @@
         </p:nvSpPr>
         <p:spPr>
           <a:xfrm>
-            <a:off x="519728" y="325823"/>
-            <a:ext cx="4795669" cy="5186259"/>
+            <a:off x="519728" y="460041"/>
+            <a:ext cx="4795669" cy="7322647"/>
           </a:xfrm>
         </p:spPr>
         <p:txBody>
@@ -721,7 +721,7 @@
     </p:spTree>
     <p:extLst>
       <p:ext uri="{BB962C8B-B14F-4D97-AF65-F5344CB8AC3E}">
-        <p14:creationId xmlns:p14="http://schemas.microsoft.com/office/powerpoint/2010/main" val="4088344854"/>
+        <p14:creationId xmlns:p14="http://schemas.microsoft.com/office/powerpoint/2010/main" val="687089977"/>
       </p:ext>
     </p:extLst>
   </p:cSld>
@@ -891,7 +891,7 @@
     </p:spTree>
     <p:extLst>
       <p:ext uri="{BB962C8B-B14F-4D97-AF65-F5344CB8AC3E}">
-        <p14:creationId xmlns:p14="http://schemas.microsoft.com/office/powerpoint/2010/main" val="2130946805"/>
+        <p14:creationId xmlns:p14="http://schemas.microsoft.com/office/powerpoint/2010/main" val="3876033600"/>
       </p:ext>
     </p:extLst>
   </p:cSld>
@@ -930,8 +930,8 @@
         </p:nvSpPr>
         <p:spPr>
           <a:xfrm>
-            <a:off x="515791" y="1525705"/>
-            <a:ext cx="6520220" cy="2545672"/>
+            <a:off x="515791" y="2154193"/>
+            <a:ext cx="6520220" cy="3594317"/>
           </a:xfrm>
         </p:spPr>
         <p:txBody>
@@ -962,8 +962,8 @@
         </p:nvSpPr>
         <p:spPr>
           <a:xfrm>
-            <a:off x="515791" y="4095460"/>
-            <a:ext cx="6520220" cy="1338709"/>
+            <a:off x="515791" y="5782513"/>
+            <a:ext cx="6520220" cy="1890166"/>
           </a:xfrm>
         </p:spPr>
         <p:txBody>
@@ -1135,7 +1135,7 @@
     </p:spTree>
     <p:extLst>
       <p:ext uri="{BB962C8B-B14F-4D97-AF65-F5344CB8AC3E}">
-        <p14:creationId xmlns:p14="http://schemas.microsoft.com/office/powerpoint/2010/main" val="1458021314"/>
+        <p14:creationId xmlns:p14="http://schemas.microsoft.com/office/powerpoint/2010/main" val="2840318218"/>
       </p:ext>
     </p:extLst>
   </p:cSld>
@@ -1197,8 +1197,8 @@
         </p:nvSpPr>
         <p:spPr>
           <a:xfrm>
-            <a:off x="519728" y="1629117"/>
-            <a:ext cx="3212862" cy="3882965"/>
+            <a:off x="519728" y="2300203"/>
+            <a:ext cx="3212862" cy="5482485"/>
           </a:xfrm>
         </p:spPr>
         <p:txBody>
@@ -1254,8 +1254,8 @@
         </p:nvSpPr>
         <p:spPr>
           <a:xfrm>
-            <a:off x="3827085" y="1629117"/>
-            <a:ext cx="3212862" cy="3882965"/>
+            <a:off x="3827085" y="2300203"/>
+            <a:ext cx="3212862" cy="5482485"/>
           </a:xfrm>
         </p:spPr>
         <p:txBody>
@@ -1367,7 +1367,7 @@
     </p:spTree>
     <p:extLst>
       <p:ext uri="{BB962C8B-B14F-4D97-AF65-F5344CB8AC3E}">
-        <p14:creationId xmlns:p14="http://schemas.microsoft.com/office/powerpoint/2010/main" val="1733137548"/>
+        <p14:creationId xmlns:p14="http://schemas.microsoft.com/office/powerpoint/2010/main" val="63002962"/>
       </p:ext>
     </p:extLst>
   </p:cSld>
@@ -1406,8 +1406,8 @@
         </p:nvSpPr>
         <p:spPr>
           <a:xfrm>
-            <a:off x="520712" y="325825"/>
-            <a:ext cx="6520220" cy="1182881"/>
+            <a:off x="520712" y="460043"/>
+            <a:ext cx="6520220" cy="1670148"/>
           </a:xfrm>
         </p:spPr>
         <p:txBody>
@@ -1434,8 +1434,8 @@
         </p:nvSpPr>
         <p:spPr>
           <a:xfrm>
-            <a:off x="520713" y="1500205"/>
-            <a:ext cx="3198096" cy="735227"/>
+            <a:off x="520713" y="2118188"/>
+            <a:ext cx="3198096" cy="1038091"/>
           </a:xfrm>
         </p:spPr>
         <p:txBody>
@@ -1499,8 +1499,8 @@
         </p:nvSpPr>
         <p:spPr>
           <a:xfrm>
-            <a:off x="520713" y="2235432"/>
-            <a:ext cx="3198096" cy="3287983"/>
+            <a:off x="520713" y="3156278"/>
+            <a:ext cx="3198096" cy="4642411"/>
           </a:xfrm>
         </p:spPr>
         <p:txBody>
@@ -1556,8 +1556,8 @@
         </p:nvSpPr>
         <p:spPr>
           <a:xfrm>
-            <a:off x="3827086" y="1500205"/>
-            <a:ext cx="3213847" cy="735227"/>
+            <a:off x="3827086" y="2118188"/>
+            <a:ext cx="3213847" cy="1038091"/>
           </a:xfrm>
         </p:spPr>
         <p:txBody>
@@ -1621,8 +1621,8 @@
         </p:nvSpPr>
         <p:spPr>
           <a:xfrm>
-            <a:off x="3827086" y="2235432"/>
-            <a:ext cx="3213847" cy="3287983"/>
+            <a:off x="3827086" y="3156278"/>
+            <a:ext cx="3213847" cy="4642411"/>
           </a:xfrm>
         </p:spPr>
         <p:txBody>
@@ -1734,7 +1734,7 @@
     </p:spTree>
     <p:extLst>
       <p:ext uri="{BB962C8B-B14F-4D97-AF65-F5344CB8AC3E}">
-        <p14:creationId xmlns:p14="http://schemas.microsoft.com/office/powerpoint/2010/main" val="1950804364"/>
+        <p14:creationId xmlns:p14="http://schemas.microsoft.com/office/powerpoint/2010/main" val="783336706"/>
       </p:ext>
     </p:extLst>
   </p:cSld>
@@ -1852,7 +1852,7 @@
     </p:spTree>
     <p:extLst>
       <p:ext uri="{BB962C8B-B14F-4D97-AF65-F5344CB8AC3E}">
-        <p14:creationId xmlns:p14="http://schemas.microsoft.com/office/powerpoint/2010/main" val="2853955104"/>
+        <p14:creationId xmlns:p14="http://schemas.microsoft.com/office/powerpoint/2010/main" val="2318514840"/>
       </p:ext>
     </p:extLst>
   </p:cSld>
@@ -1947,7 +1947,7 @@
     </p:spTree>
     <p:extLst>
       <p:ext uri="{BB962C8B-B14F-4D97-AF65-F5344CB8AC3E}">
-        <p14:creationId xmlns:p14="http://schemas.microsoft.com/office/powerpoint/2010/main" val="2353687164"/>
+        <p14:creationId xmlns:p14="http://schemas.microsoft.com/office/powerpoint/2010/main" val="3026276358"/>
       </p:ext>
     </p:extLst>
   </p:cSld>
@@ -1986,8 +1986,8 @@
         </p:nvSpPr>
         <p:spPr>
           <a:xfrm>
-            <a:off x="520712" y="407988"/>
-            <a:ext cx="2438192" cy="1427956"/>
+            <a:off x="520712" y="576051"/>
+            <a:ext cx="2438192" cy="2016178"/>
           </a:xfrm>
         </p:spPr>
         <p:txBody>
@@ -2018,8 +2018,8 @@
         </p:nvSpPr>
         <p:spPr>
           <a:xfrm>
-            <a:off x="3213847" y="881141"/>
-            <a:ext cx="3827085" cy="4349034"/>
+            <a:off x="3213847" y="1244112"/>
+            <a:ext cx="3827085" cy="6140542"/>
           </a:xfrm>
         </p:spPr>
         <p:txBody>
@@ -2103,8 +2103,8 @@
         </p:nvSpPr>
         <p:spPr>
           <a:xfrm>
-            <a:off x="520712" y="1835944"/>
-            <a:ext cx="2438192" cy="3401313"/>
+            <a:off x="520712" y="2592229"/>
+            <a:ext cx="2438192" cy="4802425"/>
           </a:xfrm>
         </p:spPr>
         <p:txBody>
@@ -2224,7 +2224,7 @@
     </p:spTree>
     <p:extLst>
       <p:ext uri="{BB962C8B-B14F-4D97-AF65-F5344CB8AC3E}">
-        <p14:creationId xmlns:p14="http://schemas.microsoft.com/office/powerpoint/2010/main" val="1398236921"/>
+        <p14:creationId xmlns:p14="http://schemas.microsoft.com/office/powerpoint/2010/main" val="1692477200"/>
       </p:ext>
     </p:extLst>
   </p:cSld>
@@ -2263,8 +2263,8 @@
         </p:nvSpPr>
         <p:spPr>
           <a:xfrm>
-            <a:off x="520712" y="407988"/>
-            <a:ext cx="2438192" cy="1427956"/>
+            <a:off x="520712" y="576051"/>
+            <a:ext cx="2438192" cy="2016178"/>
           </a:xfrm>
         </p:spPr>
         <p:txBody>
@@ -2295,8 +2295,8 @@
         </p:nvSpPr>
         <p:spPr>
           <a:xfrm>
-            <a:off x="3213847" y="881141"/>
-            <a:ext cx="3827085" cy="4349034"/>
+            <a:off x="3213847" y="1244112"/>
+            <a:ext cx="3827085" cy="6140542"/>
           </a:xfrm>
         </p:spPr>
         <p:txBody>
@@ -2341,9 +2341,10 @@
           </a:lstStyle>
           <a:p>
             <a:r>
-              <a:rPr lang="en-US" dirty="0"/>
+              <a:rPr lang="en-US"/>
               <a:t>Click icon to add picture</a:t>
             </a:r>
+            <a:endParaRPr lang="en-US" dirty="0"/>
           </a:p>
         </p:txBody>
       </p:sp>
@@ -2359,8 +2360,8 @@
         </p:nvSpPr>
         <p:spPr>
           <a:xfrm>
-            <a:off x="520712" y="1835944"/>
-            <a:ext cx="2438192" cy="3401313"/>
+            <a:off x="520712" y="2592229"/>
+            <a:ext cx="2438192" cy="4802425"/>
           </a:xfrm>
         </p:spPr>
         <p:txBody>
@@ -2480,7 +2481,7 @@
     </p:spTree>
     <p:extLst>
       <p:ext uri="{BB962C8B-B14F-4D97-AF65-F5344CB8AC3E}">
-        <p14:creationId xmlns:p14="http://schemas.microsoft.com/office/powerpoint/2010/main" val="2704482102"/>
+        <p14:creationId xmlns:p14="http://schemas.microsoft.com/office/powerpoint/2010/main" val="750812863"/>
       </p:ext>
     </p:extLst>
   </p:cSld>
@@ -2524,8 +2525,8 @@
         </p:nvSpPr>
         <p:spPr>
           <a:xfrm>
-            <a:off x="519728" y="325825"/>
-            <a:ext cx="6520220" cy="1182881"/>
+            <a:off x="519728" y="460043"/>
+            <a:ext cx="6520220" cy="1670148"/>
           </a:xfrm>
           <a:prstGeom prst="rect">
             <a:avLst/>
@@ -2557,8 +2558,8 @@
         </p:nvSpPr>
         <p:spPr>
           <a:xfrm>
-            <a:off x="519728" y="1629117"/>
-            <a:ext cx="6520220" cy="3882965"/>
+            <a:off x="519728" y="2300203"/>
+            <a:ext cx="6520220" cy="5482485"/>
           </a:xfrm>
           <a:prstGeom prst="rect">
             <a:avLst/>
@@ -2619,8 +2620,8 @@
         </p:nvSpPr>
         <p:spPr>
           <a:xfrm>
-            <a:off x="519728" y="5672162"/>
-            <a:ext cx="1700927" cy="325823"/>
+            <a:off x="519728" y="8008709"/>
+            <a:ext cx="1700927" cy="460041"/>
           </a:xfrm>
           <a:prstGeom prst="rect">
             <a:avLst/>
@@ -2660,8 +2661,8 @@
         </p:nvSpPr>
         <p:spPr>
           <a:xfrm>
-            <a:off x="2504143" y="5672162"/>
-            <a:ext cx="2551390" cy="325823"/>
+            <a:off x="2504143" y="8008709"/>
+            <a:ext cx="2551390" cy="460041"/>
           </a:xfrm>
           <a:prstGeom prst="rect">
             <a:avLst/>
@@ -2697,8 +2698,8 @@
         </p:nvSpPr>
         <p:spPr>
           <a:xfrm>
-            <a:off x="5339020" y="5672162"/>
-            <a:ext cx="1700927" cy="325823"/>
+            <a:off x="5339020" y="8008709"/>
+            <a:ext cx="1700927" cy="460041"/>
           </a:xfrm>
           <a:prstGeom prst="rect">
             <a:avLst/>
@@ -2729,23 +2730,23 @@
     </p:spTree>
     <p:extLst>
       <p:ext uri="{BB962C8B-B14F-4D97-AF65-F5344CB8AC3E}">
-        <p14:creationId xmlns:p14="http://schemas.microsoft.com/office/powerpoint/2010/main" val="3370748507"/>
+        <p14:creationId xmlns:p14="http://schemas.microsoft.com/office/powerpoint/2010/main" val="3579645514"/>
       </p:ext>
     </p:extLst>
   </p:cSld>
   <p:clrMap bg1="lt1" tx1="dk1" bg2="lt2" tx2="dk2" accent1="accent1" accent2="accent2" accent3="accent3" accent4="accent4" accent5="accent5" accent6="accent6" hlink="hlink" folHlink="folHlink"/>
   <p:sldLayoutIdLst>
-    <p:sldLayoutId id="2147483673" r:id="rId1"/>
-    <p:sldLayoutId id="2147483674" r:id="rId2"/>
-    <p:sldLayoutId id="2147483675" r:id="rId3"/>
-    <p:sldLayoutId id="2147483676" r:id="rId4"/>
-    <p:sldLayoutId id="2147483677" r:id="rId5"/>
-    <p:sldLayoutId id="2147483678" r:id="rId6"/>
-    <p:sldLayoutId id="2147483679" r:id="rId7"/>
-    <p:sldLayoutId id="2147483680" r:id="rId8"/>
-    <p:sldLayoutId id="2147483681" r:id="rId9"/>
-    <p:sldLayoutId id="2147483682" r:id="rId10"/>
-    <p:sldLayoutId id="2147483683" r:id="rId11"/>
+    <p:sldLayoutId id="2147483697" r:id="rId1"/>
+    <p:sldLayoutId id="2147483698" r:id="rId2"/>
+    <p:sldLayoutId id="2147483699" r:id="rId3"/>
+    <p:sldLayoutId id="2147483700" r:id="rId4"/>
+    <p:sldLayoutId id="2147483701" r:id="rId5"/>
+    <p:sldLayoutId id="2147483702" r:id="rId6"/>
+    <p:sldLayoutId id="2147483703" r:id="rId7"/>
+    <p:sldLayoutId id="2147483704" r:id="rId8"/>
+    <p:sldLayoutId id="2147483705" r:id="rId9"/>
+    <p:sldLayoutId id="2147483706" r:id="rId10"/>
+    <p:sldLayoutId id="2147483707" r:id="rId11"/>
   </p:sldLayoutIdLst>
   <p:txStyles>
     <p:titleStyle>
@@ -3049,10 +3050,10 @@
       </p:grpSpPr>
       <p:sp>
         <p:nvSpPr>
-          <p:cNvPr id="11" name="TextBox 10">
+          <p:cNvPr id="24" name="TextBox 23">
             <a:extLst>
               <a:ext uri="{FF2B5EF4-FFF2-40B4-BE49-F238E27FC236}">
-                <a16:creationId xmlns:a16="http://schemas.microsoft.com/office/drawing/2014/main" id="{F0A55888-6F1F-4796-99DA-29A16C3DB609}"/>
+                <a16:creationId xmlns:a16="http://schemas.microsoft.com/office/drawing/2014/main" id="{77A578F2-807B-482A-BEA0-75D8ADA876AB}"/>
               </a:ext>
             </a:extLst>
           </p:cNvPr>
@@ -3061,7 +3062,7 @@
         </p:nvSpPr>
         <p:spPr>
           <a:xfrm>
-            <a:off x="5449326" y="766119"/>
+            <a:off x="5501085" y="472818"/>
             <a:ext cx="2001797" cy="335562"/>
           </a:xfrm>
           <a:prstGeom prst="rect">
@@ -3086,10 +3087,10 @@
       </p:sp>
       <p:sp>
         <p:nvSpPr>
-          <p:cNvPr id="12" name="TextBox 11">
+          <p:cNvPr id="25" name="TextBox 24">
             <a:extLst>
               <a:ext uri="{FF2B5EF4-FFF2-40B4-BE49-F238E27FC236}">
-                <a16:creationId xmlns:a16="http://schemas.microsoft.com/office/drawing/2014/main" id="{3C7014EA-8D9C-4772-99D6-5863B117772C}"/>
+                <a16:creationId xmlns:a16="http://schemas.microsoft.com/office/drawing/2014/main" id="{139E7B84-942B-422B-8935-B72B40C8A1AD}"/>
               </a:ext>
             </a:extLst>
           </p:cNvPr>
@@ -3098,7 +3099,7 @@
         </p:nvSpPr>
         <p:spPr>
           <a:xfrm>
-            <a:off x="3299256" y="765920"/>
+            <a:off x="3351015" y="472619"/>
             <a:ext cx="2434279" cy="335562"/>
           </a:xfrm>
           <a:prstGeom prst="rect">
@@ -3122,10 +3123,10 @@
       </p:sp>
       <p:sp>
         <p:nvSpPr>
-          <p:cNvPr id="13" name="TextBox 12">
+          <p:cNvPr id="26" name="TextBox 25">
             <a:extLst>
               <a:ext uri="{FF2B5EF4-FFF2-40B4-BE49-F238E27FC236}">
-                <a16:creationId xmlns:a16="http://schemas.microsoft.com/office/drawing/2014/main" id="{9CB66022-9F63-4F82-9B10-F20EDEA53B85}"/>
+                <a16:creationId xmlns:a16="http://schemas.microsoft.com/office/drawing/2014/main" id="{B1762678-D5C7-4E4A-BBBB-7941177283DD}"/>
               </a:ext>
             </a:extLst>
           </p:cNvPr>
@@ -3134,7 +3135,7 @@
         </p:nvSpPr>
         <p:spPr>
           <a:xfrm>
-            <a:off x="1544596" y="765721"/>
+            <a:off x="1596355" y="472420"/>
             <a:ext cx="2001797" cy="335760"/>
           </a:xfrm>
           <a:prstGeom prst="rect">
@@ -3158,10 +3159,10 @@
       </p:sp>
       <p:sp>
         <p:nvSpPr>
-          <p:cNvPr id="14" name="TextBox 13">
+          <p:cNvPr id="27" name="TextBox 26">
             <a:extLst>
               <a:ext uri="{FF2B5EF4-FFF2-40B4-BE49-F238E27FC236}">
-                <a16:creationId xmlns:a16="http://schemas.microsoft.com/office/drawing/2014/main" id="{BA91FAAE-566C-475D-A0D1-4C269ECBF179}"/>
+                <a16:creationId xmlns:a16="http://schemas.microsoft.com/office/drawing/2014/main" id="{8BB05D03-69FF-4AC8-81F0-5050842C4543}"/>
               </a:ext>
             </a:extLst>
           </p:cNvPr>
@@ -3170,7 +3171,7 @@
         </p:nvSpPr>
         <p:spPr>
           <a:xfrm>
-            <a:off x="1544596" y="299652"/>
+            <a:off x="1596355" y="6351"/>
             <a:ext cx="6005386" cy="542921"/>
           </a:xfrm>
           <a:prstGeom prst="rect">
@@ -3194,10 +3195,10 @@
       </p:sp>
       <p:graphicFrame>
         <p:nvGraphicFramePr>
-          <p:cNvPr id="15" name="Table 14">
+          <p:cNvPr id="28" name="Table 27">
             <a:extLst>
               <a:ext uri="{FF2B5EF4-FFF2-40B4-BE49-F238E27FC236}">
-                <a16:creationId xmlns:a16="http://schemas.microsoft.com/office/drawing/2014/main" id="{EC5C0B18-9B89-42EB-8BAE-BD49810FF923}"/>
+                <a16:creationId xmlns:a16="http://schemas.microsoft.com/office/drawing/2014/main" id="{BD5014E4-C262-472D-B706-AA841F295639}"/>
               </a:ext>
             </a:extLst>
           </p:cNvPr>
@@ -3207,14 +3208,14 @@
           <p:nvPr>
             <p:extLst>
               <p:ext uri="{D42A27DB-BD31-4B8C-83A1-F6EECF244321}">
-                <p14:modId xmlns:p14="http://schemas.microsoft.com/office/powerpoint/2010/main" val="1774406107"/>
+                <p14:modId xmlns:p14="http://schemas.microsoft.com/office/powerpoint/2010/main" val="2946234901"/>
               </p:ext>
             </p:extLst>
           </p:nvPr>
         </p:nvGraphicFramePr>
         <p:xfrm>
-          <a:off x="1544597" y="1113836"/>
-          <a:ext cx="5906526" cy="4815840"/>
+          <a:off x="1596356" y="820535"/>
+          <a:ext cx="5906526" cy="7345680"/>
         </p:xfrm>
         <a:graphic>
           <a:graphicData uri="http://schemas.openxmlformats.org/drawingml/2006/table">
@@ -3303,7 +3304,48 @@
                     <a:bodyPr/>
                     <a:lstStyle/>
                     <a:p>
-                      <a:endParaRPr lang="en-US" dirty="0"/>
+                      <a:pPr marL="285750" indent="-285750">
+                        <a:buFont typeface="Arial" panose="020B0604020202020204" pitchFamily="34" charset="0"/>
+                        <a:buChar char="•"/>
+                      </a:pPr>
+                      <a:r>
+                        <a:rPr lang="en-CA" dirty="0"/>
+                        <a:t>Email Addresses mapped to</a:t>
+                      </a:r>
+                    </a:p>
+                    <a:p>
+                      <a:pPr marL="285750" indent="-285750">
+                        <a:buFont typeface="Arial" panose="020B0604020202020204" pitchFamily="34" charset="0"/>
+                        <a:buChar char="•"/>
+                      </a:pPr>
+                      <a:r>
+                        <a:rPr lang="en-CA" dirty="0"/>
+                        <a:t>Inboxes, Real-time Communications Sessions, etc.</a:t>
+                      </a:r>
+                    </a:p>
+                    <a:p>
+                      <a:pPr marL="285750" indent="-285750">
+                        <a:buFont typeface="Arial" panose="020B0604020202020204" pitchFamily="34" charset="0"/>
+                        <a:buChar char="•"/>
+                      </a:pPr>
+                      <a:endParaRPr lang="en-CA" dirty="0"/>
+                    </a:p>
+                    <a:p>
+                      <a:pPr marL="285750" indent="-285750">
+                        <a:buFont typeface="Arial" panose="020B0604020202020204" pitchFamily="34" charset="0"/>
+                        <a:buChar char="•"/>
+                      </a:pPr>
+                      <a:endParaRPr lang="en-CA" dirty="0"/>
+                    </a:p>
+                    <a:p>
+                      <a:pPr marL="285750" indent="-285750">
+                        <a:buFont typeface="Arial" panose="020B0604020202020204" pitchFamily="34" charset="0"/>
+                        <a:buChar char="•"/>
+                      </a:pPr>
+                      <a:r>
+                        <a:rPr lang="en-CA" dirty="0"/>
+                        <a:t>SMTP protocol</a:t>
+                      </a:r>
                     </a:p>
                   </a:txBody>
                   <a:tcPr>
@@ -3459,37 +3501,7 @@
                         <a:buFont typeface="Arial" panose="020B0604020202020204" pitchFamily="34" charset="0"/>
                         <a:buChar char="•"/>
                       </a:pPr>
-                      <a:r>
-                        <a:rPr lang="en-CA" sz="1600" dirty="0"/>
-                        <a:t>Hierarchical IP Addresses mapped to</a:t>
-                      </a:r>
-                    </a:p>
-                    <a:p>
-                      <a:pPr marL="285750" indent="-285750">
-                        <a:buFont typeface="Arial" panose="020B0604020202020204" pitchFamily="34" charset="0"/>
-                        <a:buChar char="•"/>
-                      </a:pPr>
-                      <a:r>
-                        <a:rPr lang="en-CA" sz="1600" dirty="0"/>
-                        <a:t>Network Adapters (Servers, Desktops, Tablets, Mobile Devices)</a:t>
-                      </a:r>
-                    </a:p>
-                    <a:p>
-                      <a:pPr marL="285750" indent="-285750">
-                        <a:buFont typeface="Arial" panose="020B0604020202020204" pitchFamily="34" charset="0"/>
-                        <a:buChar char="•"/>
-                      </a:pPr>
                       <a:endParaRPr lang="en-CA" sz="1600" dirty="0"/>
-                    </a:p>
-                    <a:p>
-                      <a:pPr marL="285750" indent="-285750">
-                        <a:buFont typeface="Arial" panose="020B0604020202020204" pitchFamily="34" charset="0"/>
-                        <a:buChar char="•"/>
-                      </a:pPr>
-                      <a:r>
-                        <a:rPr lang="en-CA" sz="1600" dirty="0"/>
-                        <a:t>TCP-IP protocol</a:t>
-                      </a:r>
                     </a:p>
                   </a:txBody>
                   <a:tcPr>
@@ -3691,16 +3703,217 @@
                   </a:ext>
                 </a:extLst>
               </a:tr>
+              <a:tr h="1413986">
+                <a:tc>
+                  <a:txBody>
+                    <a:bodyPr/>
+                    <a:lstStyle/>
+                    <a:p>
+                      <a:pPr marL="285750" indent="-285750">
+                        <a:buFont typeface="Arial" panose="020B0604020202020204" pitchFamily="34" charset="0"/>
+                        <a:buChar char="•"/>
+                      </a:pPr>
+                      <a:r>
+                        <a:rPr lang="en-CA" sz="1600" dirty="0"/>
+                        <a:t>Hierarchical IP Addresses mapped to</a:t>
+                      </a:r>
+                    </a:p>
+                    <a:p>
+                      <a:pPr marL="285750" indent="-285750">
+                        <a:buFont typeface="Arial" panose="020B0604020202020204" pitchFamily="34" charset="0"/>
+                        <a:buChar char="•"/>
+                      </a:pPr>
+                      <a:r>
+                        <a:rPr lang="en-CA" sz="1600" dirty="0"/>
+                        <a:t>Network Adapters (Servers, Desktops, Tablets, Mobile Devices)</a:t>
+                      </a:r>
+                    </a:p>
+                    <a:p>
+                      <a:pPr marL="285750" indent="-285750">
+                        <a:buFont typeface="Arial" panose="020B0604020202020204" pitchFamily="34" charset="0"/>
+                        <a:buChar char="•"/>
+                      </a:pPr>
+                      <a:endParaRPr lang="en-CA" sz="1600" dirty="0"/>
+                    </a:p>
+                    <a:p>
+                      <a:pPr marL="285750" indent="-285750">
+                        <a:buFont typeface="Arial" panose="020B0604020202020204" pitchFamily="34" charset="0"/>
+                        <a:buChar char="•"/>
+                      </a:pPr>
+                      <a:r>
+                        <a:rPr lang="en-CA" sz="1600" dirty="0"/>
+                        <a:t>TCP-IP protocol</a:t>
+                      </a:r>
+                    </a:p>
+                  </a:txBody>
+                  <a:tcPr>
+                    <a:lnL w="12700" cap="flat" cmpd="sng" algn="ctr">
+                      <a:solidFill>
+                        <a:schemeClr val="tx1"/>
+                      </a:solidFill>
+                      <a:prstDash val="solid"/>
+                      <a:round/>
+                      <a:headEnd type="none" w="med" len="med"/>
+                      <a:tailEnd type="none" w="med" len="med"/>
+                    </a:lnL>
+                    <a:lnR w="12700" cap="flat" cmpd="sng" algn="ctr">
+                      <a:solidFill>
+                        <a:schemeClr val="tx1"/>
+                      </a:solidFill>
+                      <a:prstDash val="solid"/>
+                      <a:round/>
+                      <a:headEnd type="none" w="med" len="med"/>
+                      <a:tailEnd type="none" w="med" len="med"/>
+                    </a:lnR>
+                    <a:lnT w="12700" cap="flat" cmpd="sng" algn="ctr">
+                      <a:solidFill>
+                        <a:schemeClr val="tx1"/>
+                      </a:solidFill>
+                      <a:prstDash val="solid"/>
+                      <a:round/>
+                      <a:headEnd type="none" w="med" len="med"/>
+                      <a:tailEnd type="none" w="med" len="med"/>
+                    </a:lnT>
+                    <a:lnB w="12700" cap="flat" cmpd="sng" algn="ctr">
+                      <a:solidFill>
+                        <a:schemeClr val="tx1"/>
+                      </a:solidFill>
+                      <a:prstDash val="solid"/>
+                      <a:round/>
+                      <a:headEnd type="none" w="med" len="med"/>
+                      <a:tailEnd type="none" w="med" len="med"/>
+                    </a:lnB>
+                    <a:solidFill>
+                      <a:schemeClr val="bg1">
+                        <a:lumMod val="95000"/>
+                      </a:schemeClr>
+                    </a:solidFill>
+                  </a:tcPr>
+                </a:tc>
+                <a:tc>
+                  <a:txBody>
+                    <a:bodyPr/>
+                    <a:lstStyle/>
+                    <a:p>
+                      <a:pPr marL="285750" indent="-285750">
+                        <a:buFont typeface="Arial" panose="020B0604020202020204" pitchFamily="34" charset="0"/>
+                        <a:buChar char="•"/>
+                      </a:pPr>
+                      <a:endParaRPr lang="en-US" sz="1600" dirty="0"/>
+                    </a:p>
+                  </a:txBody>
+                  <a:tcPr>
+                    <a:lnL w="12700" cap="flat" cmpd="sng" algn="ctr">
+                      <a:solidFill>
+                        <a:schemeClr val="tx1"/>
+                      </a:solidFill>
+                      <a:prstDash val="solid"/>
+                      <a:round/>
+                      <a:headEnd type="none" w="med" len="med"/>
+                      <a:tailEnd type="none" w="med" len="med"/>
+                    </a:lnL>
+                    <a:lnR w="12700" cap="flat" cmpd="sng" algn="ctr">
+                      <a:solidFill>
+                        <a:schemeClr val="tx1"/>
+                      </a:solidFill>
+                      <a:prstDash val="solid"/>
+                      <a:round/>
+                      <a:headEnd type="none" w="med" len="med"/>
+                      <a:tailEnd type="none" w="med" len="med"/>
+                    </a:lnR>
+                    <a:lnT w="12700" cap="flat" cmpd="sng" algn="ctr">
+                      <a:solidFill>
+                        <a:schemeClr val="tx1"/>
+                      </a:solidFill>
+                      <a:prstDash val="solid"/>
+                      <a:round/>
+                      <a:headEnd type="none" w="med" len="med"/>
+                      <a:tailEnd type="none" w="med" len="med"/>
+                    </a:lnT>
+                    <a:lnB w="12700" cap="flat" cmpd="sng" algn="ctr">
+                      <a:solidFill>
+                        <a:schemeClr val="tx1"/>
+                      </a:solidFill>
+                      <a:prstDash val="solid"/>
+                      <a:round/>
+                      <a:headEnd type="none" w="med" len="med"/>
+                      <a:tailEnd type="none" w="med" len="med"/>
+                    </a:lnB>
+                    <a:solidFill>
+                      <a:schemeClr val="bg1">
+                        <a:lumMod val="95000"/>
+                      </a:schemeClr>
+                    </a:solidFill>
+                  </a:tcPr>
+                </a:tc>
+                <a:tc>
+                  <a:txBody>
+                    <a:bodyPr/>
+                    <a:lstStyle/>
+                    <a:p>
+                      <a:endParaRPr lang="en-US" dirty="0"/>
+                    </a:p>
+                  </a:txBody>
+                  <a:tcPr>
+                    <a:lnL w="12700" cap="flat" cmpd="sng" algn="ctr">
+                      <a:solidFill>
+                        <a:schemeClr val="tx1"/>
+                      </a:solidFill>
+                      <a:prstDash val="solid"/>
+                      <a:round/>
+                      <a:headEnd type="none" w="med" len="med"/>
+                      <a:tailEnd type="none" w="med" len="med"/>
+                    </a:lnL>
+                    <a:lnR w="12700" cap="flat" cmpd="sng" algn="ctr">
+                      <a:solidFill>
+                        <a:schemeClr val="tx1"/>
+                      </a:solidFill>
+                      <a:prstDash val="solid"/>
+                      <a:round/>
+                      <a:headEnd type="none" w="med" len="med"/>
+                      <a:tailEnd type="none" w="med" len="med"/>
+                    </a:lnR>
+                    <a:lnT w="12700" cap="flat" cmpd="sng" algn="ctr">
+                      <a:solidFill>
+                        <a:schemeClr val="tx1"/>
+                      </a:solidFill>
+                      <a:prstDash val="solid"/>
+                      <a:round/>
+                      <a:headEnd type="none" w="med" len="med"/>
+                      <a:tailEnd type="none" w="med" len="med"/>
+                    </a:lnT>
+                    <a:lnB w="12700" cap="flat" cmpd="sng" algn="ctr">
+                      <a:solidFill>
+                        <a:schemeClr val="tx1"/>
+                      </a:solidFill>
+                      <a:prstDash val="solid"/>
+                      <a:round/>
+                      <a:headEnd type="none" w="med" len="med"/>
+                      <a:tailEnd type="none" w="med" len="med"/>
+                    </a:lnB>
+                    <a:solidFill>
+                      <a:schemeClr val="bg1">
+                        <a:lumMod val="95000"/>
+                      </a:schemeClr>
+                    </a:solidFill>
+                  </a:tcPr>
+                </a:tc>
+                <a:extLst>
+                  <a:ext uri="{0D108BD9-81ED-4DB2-BD59-A6C34878D82A}">
+                    <a16:rowId xmlns:a16="http://schemas.microsoft.com/office/drawing/2014/main" val="1636343868"/>
+                  </a:ext>
+                </a:extLst>
+              </a:tr>
             </a:tbl>
           </a:graphicData>
         </a:graphic>
       </p:graphicFrame>
       <p:sp>
         <p:nvSpPr>
-          <p:cNvPr id="16" name="TextBox 15">
+          <p:cNvPr id="29" name="TextBox 28">
             <a:extLst>
               <a:ext uri="{FF2B5EF4-FFF2-40B4-BE49-F238E27FC236}">
-                <a16:creationId xmlns:a16="http://schemas.microsoft.com/office/drawing/2014/main" id="{D63015E8-6F17-4FB3-872E-17EACD6D4A52}"/>
+                <a16:creationId xmlns:a16="http://schemas.microsoft.com/office/drawing/2014/main" id="{9C20B249-AA2D-484F-9E0C-AA28BDB0B203}"/>
               </a:ext>
             </a:extLst>
           </p:cNvPr>
@@ -3709,7 +3922,7 @@
         </p:nvSpPr>
         <p:spPr>
           <a:xfrm>
-            <a:off x="9693" y="3398108"/>
+            <a:off x="61452" y="3104807"/>
             <a:ext cx="1534905" cy="2284472"/>
           </a:xfrm>
           <a:prstGeom prst="rect">
@@ -3726,13 +3939,6 @@
             <a:pPr algn="ctr"/>
             <a:r>
               <a:rPr lang="en-CA" b="1" dirty="0"/>
-              <a:t>Devices &amp;</a:t>
-            </a:r>
-            <a:br>
-              <a:rPr lang="en-CA" b="1" dirty="0"/>
-            </a:br>
-            <a:r>
-              <a:rPr lang="en-CA" b="1" dirty="0"/>
               <a:t>Service</a:t>
             </a:r>
           </a:p>
@@ -3748,10 +3954,10 @@
       </p:sp>
       <p:sp>
         <p:nvSpPr>
-          <p:cNvPr id="17" name="TextBox 16">
+          <p:cNvPr id="30" name="TextBox 29">
             <a:extLst>
               <a:ext uri="{FF2B5EF4-FFF2-40B4-BE49-F238E27FC236}">
-                <a16:creationId xmlns:a16="http://schemas.microsoft.com/office/drawing/2014/main" id="{F486A13E-46DB-4EB0-8DD0-A2A832C44845}"/>
+                <a16:creationId xmlns:a16="http://schemas.microsoft.com/office/drawing/2014/main" id="{4FDC149B-11C7-49AA-97BD-394D51004E01}"/>
               </a:ext>
             </a:extLst>
           </p:cNvPr>
@@ -3760,8 +3966,8 @@
         </p:nvSpPr>
         <p:spPr>
           <a:xfrm>
-            <a:off x="12359" y="1113636"/>
-            <a:ext cx="1532238" cy="2284472"/>
+            <a:off x="27047" y="820335"/>
+            <a:ext cx="1631090" cy="2284472"/>
           </a:xfrm>
           <a:prstGeom prst="rect">
             <a:avLst/>
@@ -3777,20 +3983,52 @@
             <a:pPr algn="ctr"/>
             <a:r>
               <a:rPr lang="en-CA" b="1" dirty="0"/>
-              <a:t>Real People &amp;</a:t>
-            </a:r>
-            <a:br>
-              <a:rPr lang="en-CA" b="1" dirty="0"/>
-            </a:br>
-            <a:r>
-              <a:rPr lang="en-CA" b="1" dirty="0"/>
-              <a:t>Real Things (NFEs) </a:t>
-            </a:r>
+              <a:t>People, Organizations, &amp; Things (NFEs)</a:t>
+            </a:r>
+          </a:p>
+          <a:p>
+            <a:pPr algn="ctr"/>
             <a:r>
               <a:rPr lang="en-CA" sz="1600" b="1" dirty="0"/>
               <a:t>engaged in a Business Process</a:t>
             </a:r>
             <a:endParaRPr lang="en-US" sz="1600" b="1" dirty="0"/>
+          </a:p>
+        </p:txBody>
+      </p:sp>
+      <p:sp>
+        <p:nvSpPr>
+          <p:cNvPr id="31" name="TextBox 30">
+            <a:extLst>
+              <a:ext uri="{FF2B5EF4-FFF2-40B4-BE49-F238E27FC236}">
+                <a16:creationId xmlns:a16="http://schemas.microsoft.com/office/drawing/2014/main" id="{AADFB41B-C46C-41BF-8C1C-78842F032927}"/>
+              </a:ext>
+            </a:extLst>
+          </p:cNvPr>
+          <p:cNvSpPr txBox="1"/>
+          <p:nvPr/>
+        </p:nvSpPr>
+        <p:spPr>
+          <a:xfrm>
+            <a:off x="73357" y="5634645"/>
+            <a:ext cx="1534905" cy="2284472"/>
+          </a:xfrm>
+          <a:prstGeom prst="rect">
+            <a:avLst/>
+          </a:prstGeom>
+          <a:noFill/>
+        </p:spPr>
+        <p:txBody>
+          <a:bodyPr wrap="square" rtlCol="0" anchor="ctr">
+            <a:noAutofit/>
+          </a:bodyPr>
+          <a:lstStyle/>
+          <a:p>
+            <a:pPr algn="ctr"/>
+            <a:r>
+              <a:rPr lang="en-CA" b="1" dirty="0"/>
+              <a:t>Devices</a:t>
+            </a:r>
           </a:p>
         </p:txBody>
       </p:sp>
